--- a/Presentation Template.pptx
+++ b/Presentation Template.pptx
@@ -5615,7 +5615,7 @@
           <a:p>
             <a:fld id="{C17F2C1D-F243-42AB-ADF2-E7CB4E04900E}" type="datetimeFigureOut">
               <a:rPr lang="en-US" smtClean="0"/>
-              <a:t>5/31/2022</a:t>
+              <a:t>5/15/2023</a:t>
             </a:fld>
             <a:endParaRPr lang="en-US"/>
           </a:p>
@@ -5792,7 +5792,7 @@
           <a:p>
             <a:fld id="{020CE34E-5667-4A32-A6BA-10C7A552BC63}" type="datetimeFigureOut">
               <a:rPr lang="en-US" smtClean="0"/>
-              <a:t>5/31/2022</a:t>
+              <a:t>5/15/2023</a:t>
             </a:fld>
             <a:endParaRPr lang="en-US"/>
           </a:p>
@@ -30285,6 +30285,15 @@
 </file>
 
 <file path=customXml/item1.xml><?xml version="1.0" encoding="utf-8"?>
+<?mso-contentType ?>
+<FormTemplates xmlns="http://schemas.microsoft.com/sharepoint/v3/contenttype/forms">
+  <Display>DocumentLibraryForm</Display>
+  <Edit>DocumentLibraryForm</Edit>
+  <New>DocumentLibraryForm</New>
+</FormTemplates>
+</file>
+
+<file path=customXml/item2.xml><?xml version="1.0" encoding="utf-8"?>
 <p:properties xmlns:p="http://schemas.microsoft.com/office/2006/metadata/properties" xmlns:xsi="http://www.w3.org/2001/XMLSchema-instance" xmlns:pc="http://schemas.microsoft.com/office/infopath/2007/PartnerControls">
   <documentManagement>
     <_ip_UnifiedCompliancePolicyUIAction xmlns="http://schemas.microsoft.com/sharepoint/v3" xsi:nil="true"/>
@@ -30301,15 +30310,6 @@
     <MediaServiceKeyPoints xmlns="71af3243-3dd4-4a8d-8c0d-dd76da1f02a5" xsi:nil="true"/>
   </documentManagement>
 </p:properties>
-</file>
-
-<file path=customXml/item2.xml><?xml version="1.0" encoding="utf-8"?>
-<?mso-contentType ?>
-<FormTemplates xmlns="http://schemas.microsoft.com/sharepoint/v3/contenttype/forms">
-  <Display>DocumentLibraryForm</Display>
-  <Edit>DocumentLibraryForm</Edit>
-  <New>DocumentLibraryForm</New>
-</FormTemplates>
 </file>
 
 <file path=customXml/item3.xml><?xml version="1.0" encoding="utf-8"?>
@@ -30589,6 +30589,14 @@
 </file>
 
 <file path=customXml/itemProps1.xml><?xml version="1.0" encoding="utf-8"?>
+<ds:datastoreItem xmlns:ds="http://schemas.openxmlformats.org/officeDocument/2006/customXml" ds:itemID="{904751AB-E840-446F-8D49-E697067EC887}">
+  <ds:schemaRefs>
+    <ds:schemaRef ds:uri="http://schemas.microsoft.com/sharepoint/v3/contenttype/forms"/>
+  </ds:schemaRefs>
+</ds:datastoreItem>
+</file>
+
+<file path=customXml/itemProps2.xml><?xml version="1.0" encoding="utf-8"?>
 <ds:datastoreItem xmlns:ds="http://schemas.openxmlformats.org/officeDocument/2006/customXml" ds:itemID="{50811A92-D464-4AC4-A396-BA73B10CEEAC}">
   <ds:schemaRefs>
     <ds:schemaRef ds:uri="http://schemas.microsoft.com/office/2006/metadata/properties"/>
@@ -30596,14 +30604,6 @@
     <ds:schemaRef ds:uri="http://schemas.microsoft.com/sharepoint/v3"/>
     <ds:schemaRef ds:uri="71af3243-3dd4-4a8d-8c0d-dd76da1f02a5"/>
     <ds:schemaRef ds:uri="230e9df3-be65-4c73-a93b-d1236ebd677e"/>
-  </ds:schemaRefs>
-</ds:datastoreItem>
-</file>
-
-<file path=customXml/itemProps2.xml><?xml version="1.0" encoding="utf-8"?>
-<ds:datastoreItem xmlns:ds="http://schemas.openxmlformats.org/officeDocument/2006/customXml" ds:itemID="{904751AB-E840-446F-8D49-E697067EC887}">
-  <ds:schemaRefs>
-    <ds:schemaRef ds:uri="http://schemas.microsoft.com/sharepoint/v3/contenttype/forms"/>
   </ds:schemaRefs>
 </ds:datastoreItem>
 </file>
